--- a/003_React/lesson_20/Presentation/React_components.pptx
+++ b/003_React/lesson_20/Presentation/React_components.pptx
@@ -109,6 +109,22 @@
       </a:defRPr>
     </a:lvl9pPr>
   </p:defaultTextStyle>
+  <p:extLst>
+    <p:ext uri="{EFAFB233-063F-42B5-8137-9DF3F51BA10A}">
+      <p15:sldGuideLst xmlns:p15="http://schemas.microsoft.com/office/powerpoint/2012/main">
+        <p15:guide id="1" orient="horz" pos="2160">
+          <p15:clr>
+            <a:srgbClr val="A4A3A4"/>
+          </p15:clr>
+        </p15:guide>
+        <p15:guide id="2" pos="2880">
+          <p15:clr>
+            <a:srgbClr val="A4A3A4"/>
+          </p15:clr>
+        </p15:guide>
+      </p15:sldGuideLst>
+    </p:ext>
+  </p:extLst>
 </p:presentation>
 </file>
 
@@ -167,10 +183,9 @@
           </a:lstStyle>
           <a:p>
             <a:r>
-              <a:rPr lang="en-US" dirty="0" smtClean="0"/>
+              <a:rPr lang="en-US" dirty="0"/>
               <a:t>title style</a:t>
             </a:r>
-            <a:endParaRPr lang="en-US" dirty="0"/>
           </a:p>
         </p:txBody>
       </p:sp>
@@ -290,7 +305,7 @@
           </a:lstStyle>
           <a:p>
             <a:r>
-              <a:rPr lang="ru-RU" smtClean="0"/>
+              <a:rPr lang="ru-RU"/>
               <a:t>Образец подзаголовка</a:t>
             </a:r>
             <a:endParaRPr lang="en-US" dirty="0"/>
@@ -619,20 +634,13 @@
     </p:spTree>
     <p:extLst>
       <p:ext uri="{BB962C8B-B14F-4D97-AF65-F5344CB8AC3E}">
-        <p14:creationId xmlns="" xmlns:p14="http://schemas.microsoft.com/office/powerpoint/2010/main" val="3537187278"/>
+        <p14:creationId xmlns:p14="http://schemas.microsoft.com/office/powerpoint/2010/main" val="3537187278"/>
       </p:ext>
     </p:extLst>
   </p:cSld>
   <p:clrMapOvr>
     <a:overrideClrMapping bg1="lt1" tx1="dk1" bg2="lt2" tx2="dk2" accent1="accent1" accent2="accent2" accent3="accent3" accent4="accent4" accent5="accent5" accent6="accent6" hlink="hlink" folHlink="folHlink"/>
   </p:clrMapOvr>
-  <p:timing>
-    <p:tnLst>
-      <p:par>
-        <p:cTn id="1" dur="indefinite" restart="never" nodeType="tmRoot"/>
-      </p:par>
-    </p:tnLst>
-  </p:timing>
 </p:sldLayout>
 </file>
 
@@ -665,7 +673,7 @@
           <a:blip r:embed="rId2" cstate="print">
             <a:extLst>
               <a:ext uri="{28A0092B-C50C-407E-A947-70E740481C1C}">
-                <a14:useLocalDpi xmlns="" xmlns:a14="http://schemas.microsoft.com/office/drawing/2010/main" val="0"/>
+                <a14:useLocalDpi xmlns:a14="http://schemas.microsoft.com/office/drawing/2010/main" val="0"/>
               </a:ext>
             </a:extLst>
           </a:blip>
@@ -689,14 +697,14 @@
           <a:effectLst/>
           <a:extLst>
             <a:ext uri="{909E8E84-426E-40DD-AFC4-6F175D3DCCD1}">
-              <a14:hiddenFill xmlns="" xmlns:a14="http://schemas.microsoft.com/office/drawing/2010/main">
+              <a14:hiddenFill xmlns:a14="http://schemas.microsoft.com/office/drawing/2010/main">
                 <a:solidFill>
                   <a:schemeClr val="accent1"/>
                 </a:solidFill>
               </a14:hiddenFill>
             </a:ext>
             <a:ext uri="{91240B29-F687-4F45-9708-019B960494DF}">
-              <a14:hiddenLine xmlns="" xmlns:a14="http://schemas.microsoft.com/office/drawing/2010/main" w="9525">
+              <a14:hiddenLine xmlns:a14="http://schemas.microsoft.com/office/drawing/2010/main" w="9525">
                 <a:solidFill>
                   <a:schemeClr val="tx1"/>
                 </a:solidFill>
@@ -706,7 +714,7 @@
               </a14:hiddenLine>
             </a:ext>
             <a:ext uri="{AF507438-7753-43E0-B8FC-AC1667EBCBE1}">
-              <a14:hiddenEffects xmlns="" xmlns:a14="http://schemas.microsoft.com/office/drawing/2010/main">
+              <a14:hiddenEffects xmlns:a14="http://schemas.microsoft.com/office/drawing/2010/main">
                 <a:effectLst>
                   <a:outerShdw dist="35921" dir="2700000" algn="ctr" rotWithShape="0">
                     <a:schemeClr val="bg2"/>
@@ -801,7 +809,7 @@
           </a:lstStyle>
           <a:p>
             <a:r>
-              <a:rPr lang="ru-RU" smtClean="0"/>
+              <a:rPr lang="ru-RU"/>
               <a:t>Образец заголовка</a:t>
             </a:r>
             <a:endParaRPr lang="en-US" dirty="0"/>
@@ -838,7 +846,7 @@
           <a:p>
             <a:pPr lvl="4"/>
             <a:r>
-              <a:rPr lang="en-US" dirty="0" smtClean="0"/>
+              <a:rPr lang="en-US" dirty="0"/>
               <a:t>Subtitle</a:t>
             </a:r>
           </a:p>
@@ -847,20 +855,13 @@
     </p:spTree>
     <p:extLst>
       <p:ext uri="{BB962C8B-B14F-4D97-AF65-F5344CB8AC3E}">
-        <p14:creationId xmlns="" xmlns:p14="http://schemas.microsoft.com/office/powerpoint/2010/main" val="2097366919"/>
+        <p14:creationId xmlns:p14="http://schemas.microsoft.com/office/powerpoint/2010/main" val="2097366919"/>
       </p:ext>
     </p:extLst>
   </p:cSld>
   <p:clrMapOvr>
     <a:masterClrMapping/>
   </p:clrMapOvr>
-  <p:timing>
-    <p:tnLst>
-      <p:par>
-        <p:cTn id="1" dur="indefinite" restart="never" nodeType="tmRoot"/>
-      </p:par>
-    </p:tnLst>
-  </p:timing>
 </p:sldLayout>
 </file>
 
@@ -1369,7 +1370,7 @@
     </p:spTree>
     <p:extLst>
       <p:ext uri="{BB962C8B-B14F-4D97-AF65-F5344CB8AC3E}">
-        <p14:creationId xmlns="" xmlns:p14="http://schemas.microsoft.com/office/powerpoint/2010/main" val="3537187278"/>
+        <p14:creationId xmlns:p14="http://schemas.microsoft.com/office/powerpoint/2010/main" val="3537187278"/>
       </p:ext>
     </p:extLst>
   </p:cSld>
@@ -1427,7 +1428,7 @@
           <a:lstStyle/>
           <a:p>
             <a:r>
-              <a:rPr lang="ru-RU" smtClean="0"/>
+              <a:rPr lang="ru-RU"/>
               <a:t>Образец заголовка</a:t>
             </a:r>
             <a:endParaRPr lang="en-US"/>
@@ -1437,7 +1438,7 @@
     </p:spTree>
     <p:extLst>
       <p:ext uri="{BB962C8B-B14F-4D97-AF65-F5344CB8AC3E}">
-        <p14:creationId xmlns="" xmlns:p14="http://schemas.microsoft.com/office/powerpoint/2010/main" val="779007194"/>
+        <p14:creationId xmlns:p14="http://schemas.microsoft.com/office/powerpoint/2010/main" val="779007194"/>
       </p:ext>
     </p:extLst>
   </p:cSld>
@@ -1447,13 +1448,6 @@
     <p:sldLayoutId id="2147483664" r:id="rId2"/>
     <p:sldLayoutId id="2147483665" r:id="rId3"/>
   </p:sldLayoutIdLst>
-  <p:timing>
-    <p:tnLst>
-      <p:par>
-        <p:cTn id="1" dur="indefinite" restart="never" nodeType="tmRoot"/>
-      </p:par>
-    </p:tnLst>
-  </p:timing>
   <p:txStyles>
     <p:titleStyle>
       <a:lvl1pPr algn="ctr" defTabSz="914400" rtl="0" eaLnBrk="1" latinLnBrk="0" hangingPunct="1">
@@ -1793,7 +1787,7 @@
           <a:lstStyle/>
           <a:p>
             <a:r>
-              <a:rPr lang="en-US" sz="2700" dirty="0" smtClean="0">
+              <a:rPr lang="en-US" sz="2700" dirty="0">
                 <a:solidFill>
                   <a:schemeClr val="bg1"/>
                 </a:solidFill>
@@ -1801,18 +1795,7 @@
                 <a:ea typeface="Roboto Thin" panose="02000000000000000000" pitchFamily="2" charset="0"/>
                 <a:cs typeface="Roboto Thin" panose="02000000000000000000" pitchFamily="2" charset="0"/>
               </a:rPr>
-              <a:t>React </a:t>
-            </a:r>
-            <a:r>
-              <a:rPr lang="en-US" sz="2700" dirty="0" smtClean="0">
-                <a:solidFill>
-                  <a:schemeClr val="bg1"/>
-                </a:solidFill>
-                <a:latin typeface="Roboto Thin" panose="02000000000000000000" pitchFamily="2" charset="0"/>
-                <a:ea typeface="Roboto Thin" panose="02000000000000000000" pitchFamily="2" charset="0"/>
-                <a:cs typeface="Roboto Thin" panose="02000000000000000000" pitchFamily="2" charset="0"/>
-              </a:rPr>
-              <a:t>JS</a:t>
+              <a:t>React JS</a:t>
             </a:r>
             <a:endParaRPr lang="en-US" dirty="0">
               <a:solidFill>
@@ -1825,241 +1808,6 @@
           </a:p>
         </p:txBody>
       </p:sp>
-      <p:sp>
-        <p:nvSpPr>
-          <p:cNvPr id="6" name="Subtitle 2"/>
-          <p:cNvSpPr txBox="1">
-            <a:spLocks/>
-          </p:cNvSpPr>
-          <p:nvPr/>
-        </p:nvSpPr>
-        <p:spPr>
-          <a:xfrm>
-            <a:off x="806449" y="1281006"/>
-            <a:ext cx="6322695" cy="507831"/>
-          </a:xfrm>
-          <a:prstGeom prst="rect">
-            <a:avLst/>
-          </a:prstGeom>
-        </p:spPr>
-        <p:txBody>
-          <a:bodyPr wrap="square">
-            <a:spAutoFit/>
-          </a:bodyPr>
-          <a:lstStyle>
-            <a:lvl1pPr marL="0" indent="0" algn="l" defTabSz="914400" rtl="0" eaLnBrk="1" latinLnBrk="0" hangingPunct="1">
-              <a:spcBef>
-                <a:spcPct val="20000"/>
-              </a:spcBef>
-              <a:buFont typeface="Arial" pitchFamily="34" charset="0"/>
-              <a:buNone/>
-              <a:defRPr sz="3200" kern="1200">
-                <a:solidFill>
-                  <a:schemeClr val="tx1">
-                    <a:tint val="75000"/>
-                  </a:schemeClr>
-                </a:solidFill>
-                <a:latin typeface="+mj-lt"/>
-                <a:ea typeface="+mn-ea"/>
-                <a:cs typeface="+mn-cs"/>
-              </a:defRPr>
-            </a:lvl1pPr>
-            <a:lvl2pPr marL="457200" indent="0" algn="ctr" defTabSz="914400" rtl="0" eaLnBrk="1" latinLnBrk="0" hangingPunct="1">
-              <a:spcBef>
-                <a:spcPct val="20000"/>
-              </a:spcBef>
-              <a:buFont typeface="Arial" pitchFamily="34" charset="0"/>
-              <a:buNone/>
-              <a:defRPr sz="2800" kern="1200">
-                <a:solidFill>
-                  <a:schemeClr val="tx1">
-                    <a:tint val="75000"/>
-                  </a:schemeClr>
-                </a:solidFill>
-                <a:latin typeface="+mn-lt"/>
-                <a:ea typeface="+mn-ea"/>
-                <a:cs typeface="+mn-cs"/>
-              </a:defRPr>
-            </a:lvl2pPr>
-            <a:lvl3pPr marL="914400" indent="0" algn="ctr" defTabSz="914400" rtl="0" eaLnBrk="1" latinLnBrk="0" hangingPunct="1">
-              <a:spcBef>
-                <a:spcPct val="20000"/>
-              </a:spcBef>
-              <a:buFont typeface="Arial" pitchFamily="34" charset="0"/>
-              <a:buNone/>
-              <a:defRPr sz="2400" kern="1200">
-                <a:solidFill>
-                  <a:schemeClr val="tx1">
-                    <a:tint val="75000"/>
-                  </a:schemeClr>
-                </a:solidFill>
-                <a:latin typeface="+mn-lt"/>
-                <a:ea typeface="+mn-ea"/>
-                <a:cs typeface="+mn-cs"/>
-              </a:defRPr>
-            </a:lvl3pPr>
-            <a:lvl4pPr marL="1371600" indent="0" algn="ctr" defTabSz="914400" rtl="0" eaLnBrk="1" latinLnBrk="0" hangingPunct="1">
-              <a:spcBef>
-                <a:spcPct val="20000"/>
-              </a:spcBef>
-              <a:buFont typeface="Arial" pitchFamily="34" charset="0"/>
-              <a:buNone/>
-              <a:defRPr sz="2000" kern="1200">
-                <a:solidFill>
-                  <a:schemeClr val="tx1">
-                    <a:tint val="75000"/>
-                  </a:schemeClr>
-                </a:solidFill>
-                <a:latin typeface="+mn-lt"/>
-                <a:ea typeface="+mn-ea"/>
-                <a:cs typeface="+mn-cs"/>
-              </a:defRPr>
-            </a:lvl4pPr>
-            <a:lvl5pPr marL="1828800" indent="0" algn="ctr" defTabSz="914400" rtl="0" eaLnBrk="1" latinLnBrk="0" hangingPunct="1">
-              <a:spcBef>
-                <a:spcPct val="20000"/>
-              </a:spcBef>
-              <a:buFont typeface="Arial" pitchFamily="34" charset="0"/>
-              <a:buNone/>
-              <a:defRPr sz="2000" kern="1200">
-                <a:solidFill>
-                  <a:schemeClr val="tx1">
-                    <a:tint val="75000"/>
-                  </a:schemeClr>
-                </a:solidFill>
-                <a:latin typeface="+mn-lt"/>
-                <a:ea typeface="+mn-ea"/>
-                <a:cs typeface="+mn-cs"/>
-              </a:defRPr>
-            </a:lvl5pPr>
-            <a:lvl6pPr marL="2286000" indent="0" algn="ctr" defTabSz="914400" rtl="0" eaLnBrk="1" latinLnBrk="0" hangingPunct="1">
-              <a:spcBef>
-                <a:spcPct val="20000"/>
-              </a:spcBef>
-              <a:buFont typeface="Arial" pitchFamily="34" charset="0"/>
-              <a:buNone/>
-              <a:defRPr sz="2000" kern="1200">
-                <a:solidFill>
-                  <a:schemeClr val="tx1">
-                    <a:tint val="75000"/>
-                  </a:schemeClr>
-                </a:solidFill>
-                <a:latin typeface="+mn-lt"/>
-                <a:ea typeface="+mn-ea"/>
-                <a:cs typeface="+mn-cs"/>
-              </a:defRPr>
-            </a:lvl6pPr>
-            <a:lvl7pPr marL="2743200" indent="0" algn="ctr" defTabSz="914400" rtl="0" eaLnBrk="1" latinLnBrk="0" hangingPunct="1">
-              <a:spcBef>
-                <a:spcPct val="20000"/>
-              </a:spcBef>
-              <a:buFont typeface="Arial" pitchFamily="34" charset="0"/>
-              <a:buNone/>
-              <a:defRPr sz="2000" kern="1200">
-                <a:solidFill>
-                  <a:schemeClr val="tx1">
-                    <a:tint val="75000"/>
-                  </a:schemeClr>
-                </a:solidFill>
-                <a:latin typeface="+mn-lt"/>
-                <a:ea typeface="+mn-ea"/>
-                <a:cs typeface="+mn-cs"/>
-              </a:defRPr>
-            </a:lvl7pPr>
-            <a:lvl8pPr marL="3200400" indent="0" algn="ctr" defTabSz="914400" rtl="0" eaLnBrk="1" latinLnBrk="0" hangingPunct="1">
-              <a:spcBef>
-                <a:spcPct val="20000"/>
-              </a:spcBef>
-              <a:buFont typeface="Arial" pitchFamily="34" charset="0"/>
-              <a:buNone/>
-              <a:defRPr sz="2000" kern="1200">
-                <a:solidFill>
-                  <a:schemeClr val="tx1">
-                    <a:tint val="75000"/>
-                  </a:schemeClr>
-                </a:solidFill>
-                <a:latin typeface="+mn-lt"/>
-                <a:ea typeface="+mn-ea"/>
-                <a:cs typeface="+mn-cs"/>
-              </a:defRPr>
-            </a:lvl8pPr>
-            <a:lvl9pPr marL="3657600" indent="0" algn="ctr" defTabSz="914400" rtl="0" eaLnBrk="1" latinLnBrk="0" hangingPunct="1">
-              <a:spcBef>
-                <a:spcPct val="20000"/>
-              </a:spcBef>
-              <a:buFont typeface="Arial" pitchFamily="34" charset="0"/>
-              <a:buNone/>
-              <a:defRPr sz="2000" kern="1200">
-                <a:solidFill>
-                  <a:schemeClr val="tx1">
-                    <a:tint val="75000"/>
-                  </a:schemeClr>
-                </a:solidFill>
-                <a:latin typeface="+mn-lt"/>
-                <a:ea typeface="+mn-ea"/>
-                <a:cs typeface="+mn-cs"/>
-              </a:defRPr>
-            </a:lvl9pPr>
-          </a:lstStyle>
-          <a:p>
-            <a:r>
-              <a:rPr lang="en-US" sz="2700" dirty="0">
-                <a:solidFill>
-                  <a:schemeClr val="tx1">
-                    <a:lumMod val="90000"/>
-                    <a:lumOff val="10000"/>
-                  </a:schemeClr>
-                </a:solidFill>
-                <a:latin typeface="Roboto Light" panose="02000000000000000000" pitchFamily="2" charset="0"/>
-                <a:ea typeface="Roboto Light" panose="02000000000000000000" pitchFamily="2" charset="0"/>
-                <a:cs typeface="Roboto Light" panose="02000000000000000000" pitchFamily="2" charset="0"/>
-              </a:rPr>
-              <a:t>The JavaScript Programming Language</a:t>
-            </a:r>
-          </a:p>
-        </p:txBody>
-      </p:sp>
-      <p:pic>
-        <p:nvPicPr>
-          <p:cNvPr id="1028" name="Picture 4" descr="C:\Users\Darick\Desktop\Mmww2.png"/>
-          <p:cNvPicPr>
-            <a:picLocks noChangeAspect="1" noChangeArrowheads="1"/>
-          </p:cNvPicPr>
-          <p:nvPr/>
-        </p:nvPicPr>
-        <p:blipFill>
-          <a:blip r:embed="rId2" cstate="print">
-            <a:extLst>
-              <a:ext uri="{28A0092B-C50C-407E-A947-70E740481C1C}">
-                <a14:useLocalDpi xmlns="" xmlns:a14="http://schemas.microsoft.com/office/drawing/2010/main" val="0"/>
-              </a:ext>
-            </a:extLst>
-          </a:blip>
-          <a:srcRect/>
-          <a:stretch>
-            <a:fillRect/>
-          </a:stretch>
-        </p:blipFill>
-        <p:spPr bwMode="auto">
-          <a:xfrm>
-            <a:off x="1" y="698501"/>
-            <a:ext cx="809625" cy="1079500"/>
-          </a:xfrm>
-          <a:prstGeom prst="rect">
-            <a:avLst/>
-          </a:prstGeom>
-          <a:noFill/>
-          <a:extLst>
-            <a:ext uri="{909E8E84-426E-40DD-AFC4-6F175D3DCCD1}">
-              <a14:hiddenFill xmlns="" xmlns:a14="http://schemas.microsoft.com/office/drawing/2010/main">
-                <a:solidFill>
-                  <a:srgbClr val="FFFFFF"/>
-                </a:solidFill>
-              </a14:hiddenFill>
-            </a:ext>
-          </a:extLst>
-        </p:spPr>
-      </p:pic>
       <p:sp>
         <p:nvSpPr>
           <p:cNvPr id="5" name="TextBox 4"/>
@@ -2083,29 +1831,59 @@
           <a:lstStyle/>
           <a:p>
             <a:r>
-              <a:rPr lang="en-US" sz="4400" dirty="0" smtClean="0">
+              <a:rPr lang="en-US" sz="4400" dirty="0">
                 <a:solidFill>
                   <a:srgbClr val="7564BC"/>
                 </a:solidFill>
+                <a:latin typeface="Calibri" panose="020F0502020204030204" pitchFamily="34" charset="0"/>
               </a:rPr>
               <a:t>React </a:t>
             </a:r>
             <a:r>
-              <a:rPr lang="ru-RU" sz="4400" dirty="0" smtClean="0">
+              <a:rPr lang="ru-RU" sz="4400" dirty="0">
                 <a:solidFill>
                   <a:srgbClr val="7564BC"/>
                 </a:solidFill>
+                <a:latin typeface="Calibri" panose="020F0502020204030204" pitchFamily="34" charset="0"/>
               </a:rPr>
               <a:t>компоненты</a:t>
             </a:r>
-            <a:endParaRPr lang="en-US" dirty="0"/>
-          </a:p>
-        </p:txBody>
-      </p:sp>
+            <a:endParaRPr lang="en-US" dirty="0">
+              <a:latin typeface="Calibri" panose="020F0502020204030204" pitchFamily="34" charset="0"/>
+            </a:endParaRPr>
+          </a:p>
+        </p:txBody>
+      </p:sp>
+      <p:pic>
+        <p:nvPicPr>
+          <p:cNvPr id="8" name="Picture 7" descr="http://moduscreate.com/wp-content/uploads/2014/03/react-opti.png"/>
+          <p:cNvPicPr>
+            <a:picLocks noChangeAspect="1" noChangeArrowheads="1"/>
+          </p:cNvPicPr>
+          <p:nvPr/>
+        </p:nvPicPr>
+        <p:blipFill>
+          <a:blip r:embed="rId2" cstate="print"/>
+          <a:srcRect/>
+          <a:stretch>
+            <a:fillRect/>
+          </a:stretch>
+        </p:blipFill>
+        <p:spPr bwMode="auto">
+          <a:xfrm>
+            <a:off x="976312" y="1556792"/>
+            <a:ext cx="3613398" cy="1005729"/>
+          </a:xfrm>
+          <a:prstGeom prst="rect">
+            <a:avLst/>
+          </a:prstGeom>
+          <a:noFill/>
+        </p:spPr>
+      </p:pic>
     </p:spTree>
     <p:extLst>
       <p:ext uri="{BB962C8B-B14F-4D97-AF65-F5344CB8AC3E}">
-        <p14:creationId xmlns="" xmlns:p14="http://schemas.microsoft.com/office/powerpoint/2010/main" val="3436223543"/>
+        <p14:creationId xmlns:p14="http://schemas.microsoft.com/office/powerpoint/2010/main" val="3436223543"/>
       </p:ext>
     </p:extLst>
   </p:cSld>
@@ -2148,15 +1926,15 @@
           <a:lstStyle/>
           <a:p>
             <a:r>
-              <a:rPr lang="en-US" dirty="0" smtClean="0"/>
+              <a:rPr lang="en-US" dirty="0"/>
               <a:t>React </a:t>
             </a:r>
             <a:r>
-              <a:rPr lang="ru-RU" dirty="0" smtClean="0"/>
+              <a:rPr lang="ru-RU" dirty="0"/>
               <a:t>компоненты</a:t>
             </a:r>
             <a:r>
-              <a:rPr lang="en-US" dirty="0" smtClean="0"/>
+              <a:rPr lang="en-US" dirty="0"/>
               <a:t>. State</a:t>
             </a:r>
             <a:endParaRPr lang="uk-UA" dirty="0"/>
@@ -2198,7 +1976,7 @@
         <p:spPr>
           <a:xfrm>
             <a:off x="611560" y="1484784"/>
-            <a:ext cx="7992888" cy="3046988"/>
+            <a:ext cx="7992888" cy="1754326"/>
           </a:xfrm>
           <a:prstGeom prst="rect">
             <a:avLst/>
@@ -2211,133 +1989,95 @@
           </a:bodyPr>
           <a:lstStyle/>
           <a:p>
+            <a:r>
+              <a:rPr lang="ru-RU" dirty="0">
+                <a:latin typeface="Calibri" pitchFamily="34" charset="0"/>
+              </a:rPr>
+              <a:t>Для сохранения динамических свойств, используется состояние (</a:t>
+            </a:r>
+            <a:r>
+              <a:rPr lang="ru-RU" i="1" dirty="0" err="1">
+                <a:latin typeface="Calibri" pitchFamily="34" charset="0"/>
+              </a:rPr>
+              <a:t>state</a:t>
+            </a:r>
+            <a:r>
+              <a:rPr lang="ru-RU" dirty="0">
+                <a:latin typeface="Calibri" pitchFamily="34" charset="0"/>
+              </a:rPr>
+              <a:t>) компонента.</a:t>
+            </a:r>
+            <a:r>
+              <a:rPr lang="en-US" dirty="0">
+                <a:latin typeface="Calibri" pitchFamily="34" charset="0"/>
+              </a:rPr>
+              <a:t> </a:t>
+            </a:r>
+            <a:r>
+              <a:rPr lang="ru-RU" dirty="0">
+                <a:latin typeface="Calibri" pitchFamily="34" charset="0"/>
+              </a:rPr>
+              <a:t>Состояния компонента хранятся в </a:t>
+            </a:r>
+            <a:r>
+              <a:rPr lang="ru-RU" dirty="0" err="1">
+                <a:latin typeface="Calibri" pitchFamily="34" charset="0"/>
+              </a:rPr>
+              <a:t>this</a:t>
+            </a:r>
+            <a:r>
+              <a:rPr lang="ru-RU" dirty="0">
+                <a:latin typeface="Calibri" pitchFamily="34" charset="0"/>
+              </a:rPr>
+              <a:t>.</a:t>
+            </a:r>
+            <a:r>
+              <a:rPr lang="en-US" dirty="0">
+                <a:latin typeface="Calibri" pitchFamily="34" charset="0"/>
+              </a:rPr>
+              <a:t>state. </a:t>
+            </a:r>
+          </a:p>
+          <a:p>
             <a:pPr>
               <a:buFont typeface="Arial" pitchFamily="34" charset="0"/>
               <a:buChar char="•"/>
             </a:pPr>
-            <a:r>
-              <a:rPr lang="en-US" sz="2400" dirty="0" smtClean="0">
-                <a:latin typeface="Calibri" pitchFamily="34" charset="0"/>
-              </a:rPr>
-              <a:t> </a:t>
-            </a:r>
-            <a:r>
-              <a:rPr lang="ru-RU" sz="2400" dirty="0" smtClean="0">
-                <a:latin typeface="Calibri" pitchFamily="34" charset="0"/>
-              </a:rPr>
-              <a:t>Для </a:t>
-            </a:r>
-            <a:r>
-              <a:rPr lang="ru-RU" sz="2400" dirty="0">
-                <a:latin typeface="Calibri" pitchFamily="34" charset="0"/>
-              </a:rPr>
-              <a:t>сохранения динамических свойств, используется состояние (</a:t>
-            </a:r>
-            <a:r>
-              <a:rPr lang="ru-RU" sz="2400" i="1" dirty="0" err="1">
-                <a:latin typeface="Calibri" pitchFamily="34" charset="0"/>
-              </a:rPr>
-              <a:t>state</a:t>
-            </a:r>
-            <a:r>
-              <a:rPr lang="ru-RU" sz="2400" dirty="0">
-                <a:latin typeface="Calibri" pitchFamily="34" charset="0"/>
-              </a:rPr>
-              <a:t>) компонента</a:t>
-            </a:r>
-            <a:r>
-              <a:rPr lang="ru-RU" sz="2400" dirty="0" smtClean="0">
-                <a:latin typeface="Calibri" pitchFamily="34" charset="0"/>
-              </a:rPr>
-              <a:t>.</a:t>
-            </a:r>
-            <a:r>
-              <a:rPr lang="en-US" sz="2400" dirty="0" smtClean="0">
-                <a:latin typeface="Calibri" pitchFamily="34" charset="0"/>
-              </a:rPr>
-              <a:t> </a:t>
-            </a:r>
-            <a:r>
-              <a:rPr lang="ru-RU" sz="2400" dirty="0" smtClean="0">
-                <a:latin typeface="Calibri" pitchFamily="34" charset="0"/>
-              </a:rPr>
-              <a:t>Состояния компонента </a:t>
-            </a:r>
-            <a:r>
-              <a:rPr lang="ru-RU" sz="2400" dirty="0" smtClean="0">
-                <a:latin typeface="Calibri" pitchFamily="34" charset="0"/>
-              </a:rPr>
-              <a:t>хранятся в </a:t>
-            </a:r>
-            <a:r>
-              <a:rPr lang="ru-RU" sz="2400" dirty="0" err="1" smtClean="0">
-                <a:latin typeface="Calibri" pitchFamily="34" charset="0"/>
-              </a:rPr>
-              <a:t>this</a:t>
-            </a:r>
-            <a:r>
-              <a:rPr lang="ru-RU" sz="2400" dirty="0" smtClean="0">
-                <a:latin typeface="Calibri" pitchFamily="34" charset="0"/>
-              </a:rPr>
-              <a:t>.</a:t>
-            </a:r>
-            <a:r>
-              <a:rPr lang="en-US" sz="2400" dirty="0" smtClean="0">
-                <a:latin typeface="Calibri" pitchFamily="34" charset="0"/>
-              </a:rPr>
-              <a:t>state. </a:t>
-            </a:r>
-          </a:p>
-          <a:p>
-            <a:pPr>
-              <a:buFont typeface="Arial" pitchFamily="34" charset="0"/>
-              <a:buChar char="•"/>
-            </a:pPr>
-            <a:endParaRPr lang="en-US" sz="2400" dirty="0">
+            <a:endParaRPr lang="en-US" dirty="0">
               <a:latin typeface="Calibri" pitchFamily="34" charset="0"/>
             </a:endParaRPr>
           </a:p>
           <a:p>
-            <a:pPr>
-              <a:buFont typeface="Arial" pitchFamily="34" charset="0"/>
-              <a:buChar char="•"/>
-            </a:pPr>
-            <a:r>
-              <a:rPr lang="en-US" sz="2400" dirty="0" smtClean="0">
-                <a:latin typeface="Calibri" pitchFamily="34" charset="0"/>
-              </a:rPr>
-              <a:t> </a:t>
-            </a:r>
-            <a:r>
-              <a:rPr lang="ru-RU" sz="2400" dirty="0" smtClean="0">
+            <a:r>
+              <a:rPr lang="ru-RU" dirty="0">
                 <a:latin typeface="Calibri" pitchFamily="34" charset="0"/>
               </a:rPr>
               <a:t>Для инициализации компонента с определенными динамическими </a:t>
             </a:r>
             <a:r>
-              <a:rPr lang="ru-RU" sz="2400" dirty="0" err="1" smtClean="0">
+              <a:rPr lang="ru-RU" dirty="0" err="1">
                 <a:latin typeface="Calibri" pitchFamily="34" charset="0"/>
               </a:rPr>
               <a:t>своствами</a:t>
             </a:r>
             <a:r>
-              <a:rPr lang="ru-RU" sz="2400" dirty="0" smtClean="0">
+              <a:rPr lang="ru-RU" dirty="0">
                 <a:latin typeface="Calibri" pitchFamily="34" charset="0"/>
               </a:rPr>
               <a:t> используется метод </a:t>
             </a:r>
             <a:r>
-              <a:rPr lang="en-US" sz="2400" b="1" dirty="0" err="1" smtClean="0">
+              <a:rPr lang="en-US" b="1" dirty="0" err="1">
                 <a:latin typeface="Calibri" pitchFamily="34" charset="0"/>
               </a:rPr>
               <a:t>getInitialState</a:t>
             </a:r>
-            <a:endParaRPr lang="ru-RU" sz="2400" b="1" dirty="0" smtClean="0">
+            <a:endParaRPr lang="ru-RU" b="1" dirty="0">
               <a:latin typeface="Calibri" pitchFamily="34" charset="0"/>
             </a:endParaRPr>
           </a:p>
           <a:p>
-            <a:endParaRPr lang="ru-RU" sz="2400" dirty="0">
+            <a:endParaRPr lang="ru-RU" dirty="0">
               <a:latin typeface="Calibri" pitchFamily="34" charset="0"/>
             </a:endParaRPr>
           </a:p>
@@ -2351,8 +2091,8 @@
         </p:nvSpPr>
         <p:spPr>
           <a:xfrm>
-            <a:off x="2987824" y="4149080"/>
-            <a:ext cx="4608512" cy="2031325"/>
+            <a:off x="683568" y="3787965"/>
+            <a:ext cx="7848872" cy="2031325"/>
           </a:xfrm>
           <a:prstGeom prst="rect">
             <a:avLst/>
@@ -2467,7 +2207,7 @@
               </a:rPr>
               <a:t> </a:t>
             </a:r>
-            <a:endParaRPr lang="en-US" dirty="0" smtClean="0">
+            <a:endParaRPr lang="en-US" dirty="0">
               <a:solidFill>
                 <a:srgbClr val="333333"/>
               </a:solidFill>
@@ -2495,7 +2235,7 @@
               <a:t>	</a:t>
             </a:r>
             <a:r>
-              <a:rPr lang="uk-UA" dirty="0" err="1" smtClean="0">
+              <a:rPr lang="uk-UA" dirty="0" err="1">
                 <a:solidFill>
                   <a:srgbClr val="0077AA"/>
                 </a:solidFill>
@@ -2505,7 +2245,7 @@
               <a:t>return</a:t>
             </a:r>
             <a:r>
-              <a:rPr lang="uk-UA" dirty="0" smtClean="0">
+              <a:rPr lang="uk-UA" dirty="0">
                 <a:solidFill>
                   <a:srgbClr val="333333"/>
                 </a:solidFill>
@@ -2534,7 +2274,7 @@
               </a:rPr>
               <a:t> </a:t>
             </a:r>
-            <a:endParaRPr lang="en-US" dirty="0" smtClean="0">
+            <a:endParaRPr lang="en-US" dirty="0">
               <a:solidFill>
                 <a:srgbClr val="333333"/>
               </a:solidFill>
@@ -2559,27 +2299,47 @@
                 <a:latin typeface="Consolas" pitchFamily="49" charset="0"/>
                 <a:cs typeface="Arial" pitchFamily="34" charset="0"/>
               </a:rPr>
-              <a:t>	</a:t>
-            </a:r>
-            <a:r>
-              <a:rPr lang="en-US" dirty="0" smtClean="0">
+              <a:t>		</a:t>
+            </a:r>
+            <a:r>
+              <a:rPr lang="uk-UA" dirty="0" err="1">
                 <a:solidFill>
                   <a:srgbClr val="333333"/>
                 </a:solidFill>
                 <a:latin typeface="Consolas" pitchFamily="49" charset="0"/>
                 <a:cs typeface="Arial" pitchFamily="34" charset="0"/>
               </a:rPr>
-              <a:t>	</a:t>
-            </a:r>
-            <a:r>
-              <a:rPr lang="uk-UA" dirty="0" err="1" smtClean="0">
+              <a:t>visible</a:t>
+            </a:r>
+            <a:r>
+              <a:rPr lang="uk-UA" dirty="0">
+                <a:solidFill>
+                  <a:srgbClr val="999999"/>
+                </a:solidFill>
+                <a:latin typeface="Consolas" pitchFamily="49" charset="0"/>
+                <a:cs typeface="Arial" pitchFamily="34" charset="0"/>
+              </a:rPr>
+              <a:t>:</a:t>
+            </a:r>
+            <a:r>
+              <a:rPr lang="uk-UA" dirty="0">
                 <a:solidFill>
                   <a:srgbClr val="333333"/>
                 </a:solidFill>
                 <a:latin typeface="Consolas" pitchFamily="49" charset="0"/>
                 <a:cs typeface="Arial" pitchFamily="34" charset="0"/>
               </a:rPr>
-              <a:t>visible</a:t>
+              <a:t> </a:t>
+            </a:r>
+            <a:r>
+              <a:rPr lang="uk-UA" dirty="0" err="1">
+                <a:solidFill>
+                  <a:srgbClr val="0077AA"/>
+                </a:solidFill>
+                <a:latin typeface="Consolas" pitchFamily="49" charset="0"/>
+                <a:cs typeface="Arial" pitchFamily="34" charset="0"/>
+              </a:rPr>
+              <a:t>false</a:t>
             </a:r>
             <a:r>
               <a:rPr lang="uk-UA" dirty="0">
@@ -2589,40 +2349,10 @@
                 <a:latin typeface="Consolas" pitchFamily="49" charset="0"/>
                 <a:cs typeface="Arial" pitchFamily="34" charset="0"/>
               </a:rPr>
-              <a:t>:</a:t>
-            </a:r>
-            <a:r>
-              <a:rPr lang="uk-UA" dirty="0">
-                <a:solidFill>
-                  <a:srgbClr val="333333"/>
-                </a:solidFill>
-                <a:latin typeface="Consolas" pitchFamily="49" charset="0"/>
-                <a:cs typeface="Arial" pitchFamily="34" charset="0"/>
-              </a:rPr>
-              <a:t> </a:t>
-            </a:r>
-            <a:r>
-              <a:rPr lang="uk-UA" dirty="0" err="1">
-                <a:solidFill>
-                  <a:srgbClr val="0077AA"/>
-                </a:solidFill>
-                <a:latin typeface="Consolas" pitchFamily="49" charset="0"/>
-                <a:cs typeface="Arial" pitchFamily="34" charset="0"/>
-              </a:rPr>
-              <a:t>false</a:t>
-            </a:r>
-            <a:r>
-              <a:rPr lang="uk-UA" dirty="0" smtClean="0">
-                <a:solidFill>
-                  <a:srgbClr val="999999"/>
-                </a:solidFill>
-                <a:latin typeface="Consolas" pitchFamily="49" charset="0"/>
-                <a:cs typeface="Arial" pitchFamily="34" charset="0"/>
-              </a:rPr>
               <a:t>,</a:t>
             </a:r>
             <a:r>
-              <a:rPr lang="en-US" dirty="0" smtClean="0">
+              <a:rPr lang="en-US" dirty="0">
                 <a:solidFill>
                   <a:srgbClr val="999999"/>
                 </a:solidFill>
@@ -2649,20 +2379,10 @@
                 <a:latin typeface="Consolas" pitchFamily="49" charset="0"/>
                 <a:cs typeface="Arial" pitchFamily="34" charset="0"/>
               </a:rPr>
-              <a:t>	</a:t>
-            </a:r>
-            <a:r>
-              <a:rPr lang="en-US" dirty="0" smtClean="0">
-                <a:solidFill>
-                  <a:srgbClr val="999999"/>
-                </a:solidFill>
-                <a:latin typeface="Consolas" pitchFamily="49" charset="0"/>
-                <a:cs typeface="Arial" pitchFamily="34" charset="0"/>
-              </a:rPr>
-              <a:t>	</a:t>
-            </a:r>
-            <a:r>
-              <a:rPr lang="uk-UA" dirty="0" err="1" smtClean="0">
+              <a:t>		</a:t>
+            </a:r>
+            <a:r>
+              <a:rPr lang="uk-UA" dirty="0" err="1">
                 <a:solidFill>
                   <a:srgbClr val="333333"/>
                 </a:solidFill>
@@ -2739,7 +2459,7 @@
               </a:spcAft>
             </a:pPr>
             <a:r>
-              <a:rPr lang="en-US" dirty="0" smtClean="0">
+              <a:rPr lang="en-US" dirty="0">
                 <a:solidFill>
                   <a:srgbClr val="333333"/>
                 </a:solidFill>
@@ -2749,7 +2469,7 @@
               <a:t>		mode</a:t>
             </a:r>
             <a:r>
-              <a:rPr lang="uk-UA" dirty="0" smtClean="0">
+              <a:rPr lang="uk-UA" dirty="0">
                 <a:solidFill>
                   <a:srgbClr val="999999"/>
                 </a:solidFill>
@@ -2759,7 +2479,7 @@
               <a:t>:</a:t>
             </a:r>
             <a:r>
-              <a:rPr lang="uk-UA" dirty="0" smtClean="0">
+              <a:rPr lang="uk-UA" dirty="0">
                 <a:solidFill>
                   <a:srgbClr val="333333"/>
                 </a:solidFill>
@@ -2769,7 +2489,7 @@
               <a:t> </a:t>
             </a:r>
             <a:r>
-              <a:rPr lang="uk-UA" dirty="0" smtClean="0">
+              <a:rPr lang="uk-UA" dirty="0">
                 <a:solidFill>
                   <a:srgbClr val="669900"/>
                 </a:solidFill>
@@ -2779,7 +2499,7 @@
               <a:t>‘</a:t>
             </a:r>
             <a:r>
-              <a:rPr lang="en-US" dirty="0" smtClean="0">
+              <a:rPr lang="en-US" dirty="0">
                 <a:solidFill>
                   <a:srgbClr val="669900"/>
                 </a:solidFill>
@@ -2789,7 +2509,7 @@
               <a:t>some mode</a:t>
             </a:r>
             <a:r>
-              <a:rPr lang="uk-UA" dirty="0" smtClean="0">
+              <a:rPr lang="uk-UA" dirty="0">
                 <a:solidFill>
                   <a:srgbClr val="669900"/>
                 </a:solidFill>
@@ -2799,7 +2519,7 @@
               <a:t>'</a:t>
             </a:r>
             <a:r>
-              <a:rPr lang="uk-UA" dirty="0" smtClean="0">
+              <a:rPr lang="uk-UA" dirty="0">
                 <a:solidFill>
                   <a:srgbClr val="333333"/>
                 </a:solidFill>
@@ -2808,7 +2528,7 @@
               </a:rPr>
               <a:t> </a:t>
             </a:r>
-            <a:endParaRPr lang="en-US" dirty="0" smtClean="0">
+            <a:endParaRPr lang="en-US" dirty="0">
               <a:solidFill>
                 <a:srgbClr val="333333"/>
               </a:solidFill>
@@ -2826,7 +2546,7 @@
               </a:spcAft>
             </a:pPr>
             <a:r>
-              <a:rPr lang="en-US" dirty="0" smtClean="0">
+              <a:rPr lang="en-US" dirty="0">
                 <a:solidFill>
                   <a:srgbClr val="999999"/>
                 </a:solidFill>
@@ -2836,7 +2556,7 @@
               <a:t>	</a:t>
             </a:r>
             <a:r>
-              <a:rPr lang="uk-UA" dirty="0" smtClean="0">
+              <a:rPr lang="uk-UA" dirty="0">
                 <a:solidFill>
                   <a:srgbClr val="999999"/>
                 </a:solidFill>
@@ -2846,7 +2566,7 @@
               <a:t>};</a:t>
             </a:r>
             <a:r>
-              <a:rPr lang="uk-UA" dirty="0" smtClean="0">
+              <a:rPr lang="uk-UA" dirty="0">
                 <a:solidFill>
                   <a:srgbClr val="333333"/>
                 </a:solidFill>
@@ -2855,7 +2575,7 @@
               </a:rPr>
               <a:t> </a:t>
             </a:r>
-            <a:endParaRPr lang="en-US" dirty="0" smtClean="0">
+            <a:endParaRPr lang="en-US" dirty="0">
               <a:solidFill>
                 <a:srgbClr val="333333"/>
               </a:solidFill>
@@ -2873,7 +2593,7 @@
               </a:spcAft>
             </a:pPr>
             <a:r>
-              <a:rPr lang="uk-UA" dirty="0" smtClean="0">
+              <a:rPr lang="uk-UA" dirty="0">
                 <a:solidFill>
                   <a:srgbClr val="999999"/>
                 </a:solidFill>
@@ -2883,7 +2603,7 @@
               <a:t>}</a:t>
             </a:r>
             <a:r>
-              <a:rPr lang="uk-UA" dirty="0" smtClean="0">
+              <a:rPr lang="uk-UA" dirty="0">
                 <a:solidFill>
                   <a:srgbClr val="2F2F2F"/>
                 </a:solidFill>
@@ -2892,13 +2612,6 @@
               </a:rPr>
               <a:t> </a:t>
             </a:r>
-            <a:endParaRPr lang="uk-UA" dirty="0">
-              <a:solidFill>
-                <a:srgbClr val="2F2F2F"/>
-              </a:solidFill>
-              <a:latin typeface="Arial" pitchFamily="34" charset="0"/>
-              <a:cs typeface="Arial" pitchFamily="34" charset="0"/>
-            </a:endParaRPr>
           </a:p>
         </p:txBody>
       </p:sp>
@@ -2943,15 +2656,15 @@
           <a:lstStyle/>
           <a:p>
             <a:r>
-              <a:rPr lang="en-US" dirty="0" smtClean="0"/>
+              <a:rPr lang="en-US" dirty="0"/>
               <a:t>React </a:t>
             </a:r>
             <a:r>
-              <a:rPr lang="ru-RU" dirty="0" smtClean="0"/>
+              <a:rPr lang="ru-RU" dirty="0"/>
               <a:t>компоненты</a:t>
             </a:r>
             <a:r>
-              <a:rPr lang="en-US" dirty="0" smtClean="0"/>
+              <a:rPr lang="en-US" dirty="0"/>
               <a:t>. State</a:t>
             </a:r>
             <a:endParaRPr lang="uk-UA" dirty="0"/>
@@ -2993,7 +2706,7 @@
         <p:spPr>
           <a:xfrm>
             <a:off x="683568" y="1556792"/>
-            <a:ext cx="7704856" cy="1200329"/>
+            <a:ext cx="7704856" cy="646331"/>
           </a:xfrm>
           <a:prstGeom prst="rect">
             <a:avLst/>
@@ -3005,35 +2718,25 @@
           </a:bodyPr>
           <a:lstStyle/>
           <a:p>
-            <a:pPr>
-              <a:buFont typeface="Arial" pitchFamily="34" charset="0"/>
-              <a:buChar char="•"/>
-            </a:pPr>
-            <a:r>
-              <a:rPr lang="en-US" dirty="0" smtClean="0">
-                <a:latin typeface="Calibri" pitchFamily="34" charset="0"/>
-              </a:rPr>
-              <a:t> </a:t>
-            </a:r>
-            <a:r>
-              <a:rPr lang="ru-RU" sz="2400" dirty="0" smtClean="0">
+            <a:r>
+              <a:rPr lang="ru-RU" dirty="0">
                 <a:latin typeface="Calibri" pitchFamily="34" charset="0"/>
               </a:rPr>
               <a:t>Для изменения состояния, используется метод </a:t>
             </a:r>
             <a:r>
-              <a:rPr lang="ru-RU" sz="2400" b="1" dirty="0" err="1" smtClean="0">
+              <a:rPr lang="ru-RU" b="1" dirty="0" err="1">
                 <a:latin typeface="Calibri" pitchFamily="34" charset="0"/>
               </a:rPr>
               <a:t>setState</a:t>
             </a:r>
             <a:r>
-              <a:rPr lang="ru-RU" sz="2400" dirty="0" smtClean="0">
+              <a:rPr lang="ru-RU" dirty="0">
                 <a:latin typeface="Calibri" pitchFamily="34" charset="0"/>
               </a:rPr>
               <a:t>, который принимает объект с аргументами, которые нужно изменить.</a:t>
             </a:r>
-            <a:endParaRPr lang="uk-UA" sz="2400" dirty="0">
+            <a:endParaRPr lang="uk-UA" dirty="0">
               <a:latin typeface="Calibri" pitchFamily="34" charset="0"/>
             </a:endParaRPr>
           </a:p>
@@ -3047,8 +2750,8 @@
         </p:nvSpPr>
         <p:spPr>
           <a:xfrm>
-            <a:off x="827584" y="3284984"/>
-            <a:ext cx="7416824" cy="461665"/>
+            <a:off x="827584" y="2500370"/>
+            <a:ext cx="7416824" cy="369332"/>
           </a:xfrm>
           <a:prstGeom prst="rect">
             <a:avLst/>
@@ -3075,18 +2778,18 @@
           <a:lstStyle/>
           <a:p>
             <a:r>
-              <a:rPr lang="en-US" sz="2400" dirty="0" err="1" smtClean="0">
+              <a:rPr lang="en-US" dirty="0" err="1">
                 <a:latin typeface="Calibri" pitchFamily="34" charset="0"/>
               </a:rPr>
               <a:t>setState</a:t>
             </a:r>
             <a:r>
-              <a:rPr lang="en-US" sz="2400" dirty="0" smtClean="0">
+              <a:rPr lang="en-US" dirty="0">
                 <a:latin typeface="Calibri" pitchFamily="34" charset="0"/>
               </a:rPr>
               <a:t>({state1: value})</a:t>
             </a:r>
-            <a:endParaRPr lang="uk-UA" sz="2400" dirty="0">
+            <a:endParaRPr lang="uk-UA" dirty="0">
               <a:latin typeface="Calibri" pitchFamily="34" charset="0"/>
             </a:endParaRPr>
           </a:p>
@@ -3100,8 +2803,8 @@
         </p:nvSpPr>
         <p:spPr>
           <a:xfrm>
-            <a:off x="827584" y="4509120"/>
-            <a:ext cx="6336704" cy="1323439"/>
+            <a:off x="755576" y="3284984"/>
+            <a:ext cx="6336704" cy="1200329"/>
           </a:xfrm>
           <a:prstGeom prst="rect">
             <a:avLst/>
@@ -3115,44 +2818,44 @@
           <a:lstStyle/>
           <a:p>
             <a:r>
-              <a:rPr lang="ru-RU" sz="2000" dirty="0" smtClean="0">
+              <a:rPr lang="ru-RU" dirty="0">
                 <a:latin typeface="Calibri" pitchFamily="34" charset="0"/>
               </a:rPr>
               <a:t>В данном примере</a:t>
             </a:r>
             <a:r>
-              <a:rPr lang="en-US" sz="2000" dirty="0" smtClean="0">
+              <a:rPr lang="en-US" dirty="0">
                 <a:latin typeface="Calibri" pitchFamily="34" charset="0"/>
               </a:rPr>
               <a:t>: </a:t>
             </a:r>
             <a:r>
-              <a:rPr lang="ru-RU" sz="2000" dirty="0" smtClean="0">
+              <a:rPr lang="ru-RU" dirty="0">
                 <a:latin typeface="Calibri" pitchFamily="34" charset="0"/>
               </a:rPr>
               <a:t>  </a:t>
             </a:r>
           </a:p>
           <a:p>
-            <a:endParaRPr lang="ru-RU" sz="2000" dirty="0">
+            <a:endParaRPr lang="ru-RU" dirty="0">
               <a:latin typeface="Calibri" pitchFamily="34" charset="0"/>
             </a:endParaRPr>
           </a:p>
           <a:p>
             <a:r>
-              <a:rPr lang="en-US" sz="2000" dirty="0" smtClean="0">
+              <a:rPr lang="en-US" dirty="0">
                 <a:latin typeface="Calibri" pitchFamily="34" charset="0"/>
               </a:rPr>
               <a:t>state1 – </a:t>
             </a:r>
             <a:r>
-              <a:rPr lang="ru-RU" sz="2000" dirty="0" smtClean="0">
+              <a:rPr lang="ru-RU" dirty="0">
                 <a:latin typeface="Calibri" pitchFamily="34" charset="0"/>
               </a:rPr>
               <a:t>название динамического свойства компонента</a:t>
             </a:r>
             <a:r>
-              <a:rPr lang="en-US" sz="2000" dirty="0" smtClean="0">
+              <a:rPr lang="en-US" dirty="0">
                 <a:latin typeface="Calibri" pitchFamily="34" charset="0"/>
               </a:rPr>
               <a:t>; </a:t>
@@ -3160,36 +2863,36 @@
           </a:p>
           <a:p>
             <a:r>
-              <a:rPr lang="en-US" sz="2000" dirty="0" smtClean="0">
+              <a:rPr lang="en-US" dirty="0">
                 <a:latin typeface="Calibri" pitchFamily="34" charset="0"/>
               </a:rPr>
               <a:t>value – </a:t>
             </a:r>
             <a:r>
-              <a:rPr lang="ru-RU" sz="2000" dirty="0" err="1" smtClean="0">
+              <a:rPr lang="ru-RU" dirty="0" err="1">
                 <a:latin typeface="Calibri" pitchFamily="34" charset="0"/>
               </a:rPr>
               <a:t>присваемое</a:t>
             </a:r>
             <a:r>
-              <a:rPr lang="ru-RU" sz="2000" dirty="0" smtClean="0">
+              <a:rPr lang="ru-RU" dirty="0">
                 <a:latin typeface="Calibri" pitchFamily="34" charset="0"/>
               </a:rPr>
               <a:t> динамическому свойству значение</a:t>
             </a:r>
             <a:r>
-              <a:rPr lang="en-US" sz="2000" dirty="0" smtClean="0">
+              <a:rPr lang="en-US" dirty="0">
                 <a:latin typeface="Calibri" pitchFamily="34" charset="0"/>
               </a:rPr>
               <a:t>; </a:t>
             </a:r>
             <a:r>
-              <a:rPr lang="ru-RU" sz="2000" dirty="0" smtClean="0">
+              <a:rPr lang="ru-RU" dirty="0">
                 <a:latin typeface="Calibri" pitchFamily="34" charset="0"/>
               </a:rPr>
               <a:t> </a:t>
             </a:r>
-            <a:endParaRPr lang="uk-UA" sz="2000" dirty="0">
+            <a:endParaRPr lang="uk-UA" dirty="0">
               <a:latin typeface="Calibri" pitchFamily="34" charset="0"/>
             </a:endParaRPr>
           </a:p>
@@ -3236,7 +2939,7 @@
           <a:lstStyle/>
           <a:p>
             <a:r>
-              <a:rPr lang="ru-RU" dirty="0" smtClean="0"/>
+              <a:rPr lang="ru-RU" dirty="0"/>
               <a:t>Методы жизненного цикла</a:t>
             </a:r>
             <a:endParaRPr lang="uk-UA" dirty="0"/>
@@ -3255,27 +2958,30 @@
         </p:nvSpPr>
         <p:spPr>
           <a:xfrm>
-            <a:off x="1475656" y="2060848"/>
-            <a:ext cx="6096000" cy="2946400"/>
+            <a:off x="457200" y="1346696"/>
+            <a:ext cx="8229600" cy="2946400"/>
           </a:xfrm>
         </p:spPr>
         <p:txBody>
           <a:bodyPr/>
           <a:lstStyle/>
           <a:p>
-            <a:r>
-              <a:rPr lang="ru-RU" dirty="0" err="1" smtClean="0">
+            <a:pPr marL="0" indent="0">
+              <a:buNone/>
+            </a:pPr>
+            <a:r>
+              <a:rPr lang="ru-RU" sz="1800" dirty="0" err="1">
                 <a:latin typeface="Calibri" pitchFamily="34" charset="0"/>
               </a:rPr>
               <a:t>React</a:t>
             </a:r>
             <a:r>
-              <a:rPr lang="ru-RU" dirty="0" smtClean="0">
+              <a:rPr lang="ru-RU" sz="1800" dirty="0">
                 <a:latin typeface="Calibri" pitchFamily="34" charset="0"/>
               </a:rPr>
               <a:t> дает возможность определять различные моменты жизненного цикла компонентов — их создание, время жизни и демонтаж. </a:t>
             </a:r>
-            <a:endParaRPr lang="uk-UA" dirty="0">
+            <a:endParaRPr lang="uk-UA" sz="1800" dirty="0">
               <a:latin typeface="Calibri" pitchFamily="34" charset="0"/>
             </a:endParaRPr>
           </a:p>
@@ -3322,7 +3028,7 @@
           <a:lstStyle/>
           <a:p>
             <a:r>
-              <a:rPr lang="ru-RU" dirty="0" smtClean="0"/>
+              <a:rPr lang="ru-RU" dirty="0"/>
               <a:t>Методы жизненного цикла</a:t>
             </a:r>
             <a:endParaRPr lang="uk-UA" dirty="0"/>
@@ -3341,7 +3047,7 @@
         </p:nvSpPr>
         <p:spPr>
           <a:xfrm>
-            <a:off x="467544" y="1700808"/>
+            <a:off x="431540" y="1340768"/>
             <a:ext cx="8280920" cy="3744416"/>
           </a:xfrm>
         </p:spPr>
@@ -3353,42 +3059,33 @@
               <a:buNone/>
             </a:pPr>
             <a:r>
-              <a:rPr lang="ru-RU" sz="2800" dirty="0" smtClean="0">
+              <a:rPr lang="ru-RU" sz="1800" dirty="0">
                 <a:solidFill>
                   <a:srgbClr val="2F2F2F"/>
                 </a:solidFill>
                 <a:latin typeface="Calibri" pitchFamily="34" charset="0"/>
               </a:rPr>
-              <a:t>Методы, которые вызываются </a:t>
-            </a:r>
-            <a:r>
-              <a:rPr lang="ru-RU" sz="2800" dirty="0" smtClean="0">
+              <a:t>Методы, которые вызываются при</a:t>
+            </a:r>
+            <a:r>
+              <a:rPr lang="en-US" sz="1800" dirty="0">
                 <a:solidFill>
                   <a:srgbClr val="2F2F2F"/>
                 </a:solidFill>
                 <a:latin typeface="Calibri" pitchFamily="34" charset="0"/>
               </a:rPr>
-              <a:t>при</a:t>
-            </a:r>
-            <a:r>
-              <a:rPr lang="en-US" sz="2800" dirty="0" smtClean="0">
+              <a:t> </a:t>
+            </a:r>
+            <a:r>
+              <a:rPr lang="ru-RU" sz="1800" dirty="0">
                 <a:solidFill>
                   <a:srgbClr val="2F2F2F"/>
                 </a:solidFill>
                 <a:latin typeface="Calibri" pitchFamily="34" charset="0"/>
               </a:rPr>
-              <a:t> </a:t>
-            </a:r>
-            <a:r>
-              <a:rPr lang="ru-RU" sz="2800" dirty="0" smtClean="0">
-                <a:solidFill>
-                  <a:srgbClr val="2F2F2F"/>
-                </a:solidFill>
-                <a:latin typeface="Calibri" pitchFamily="34" charset="0"/>
-              </a:rPr>
               <a:t>инициализации</a:t>
             </a:r>
-            <a:endParaRPr lang="en-US" sz="2800" dirty="0" smtClean="0">
+            <a:endParaRPr lang="en-US" sz="1800" dirty="0">
               <a:solidFill>
                 <a:srgbClr val="2F2F2F"/>
               </a:solidFill>
@@ -3400,7 +3097,7 @@
               <a:buNone/>
             </a:pPr>
             <a:r>
-              <a:rPr lang="ru-RU" sz="2800" dirty="0" smtClean="0">
+              <a:rPr lang="ru-RU" sz="1800" dirty="0">
                 <a:solidFill>
                   <a:srgbClr val="2F2F2F"/>
                 </a:solidFill>
@@ -3409,7 +3106,7 @@
               <a:t>компонента</a:t>
             </a:r>
             <a:r>
-              <a:rPr lang="en-US" sz="2800" dirty="0" smtClean="0">
+              <a:rPr lang="en-US" sz="1800" dirty="0">
                 <a:solidFill>
                   <a:srgbClr val="2F2F2F"/>
                 </a:solidFill>
@@ -3417,24 +3114,15 @@
               </a:rPr>
               <a:t>: </a:t>
             </a:r>
-            <a:r>
-              <a:rPr lang="en-US" sz="2800" dirty="0" smtClean="0">
+            <a:br>
+              <a:rPr lang="en-US" sz="1800" dirty="0">
                 <a:solidFill>
                   <a:srgbClr val="2F2F2F"/>
                 </a:solidFill>
                 <a:latin typeface="Calibri" pitchFamily="34" charset="0"/>
               </a:rPr>
-              <a:t/>
-            </a:r>
-            <a:br>
-              <a:rPr lang="en-US" sz="2800" dirty="0" smtClean="0">
-                <a:solidFill>
-                  <a:srgbClr val="2F2F2F"/>
-                </a:solidFill>
-                <a:latin typeface="Calibri" pitchFamily="34" charset="0"/>
-              </a:rPr>
             </a:br>
-            <a:endParaRPr lang="en-US" sz="2800" dirty="0" smtClean="0">
+            <a:endParaRPr lang="en-US" sz="1800" dirty="0">
               <a:solidFill>
                 <a:srgbClr val="2F2F2F"/>
               </a:solidFill>
@@ -3442,17 +3130,28 @@
             </a:endParaRPr>
           </a:p>
           <a:p>
-            <a:pPr lvl="0"/>
-            <a:r>
-              <a:rPr lang="en-US" sz="2800" b="1" dirty="0" err="1" smtClean="0">
+            <a:pPr marL="0" lvl="0" indent="0">
+              <a:buNone/>
+            </a:pPr>
+            <a:r>
+              <a:rPr lang="en-US" sz="1800" b="1" dirty="0">
                 <a:solidFill>
                   <a:srgbClr val="2F2F2F"/>
                 </a:solidFill>
                 <a:latin typeface="Calibri" pitchFamily="34" charset="0"/>
               </a:rPr>
+              <a:t>1. </a:t>
+            </a:r>
+            <a:r>
+              <a:rPr lang="en-US" sz="1800" b="1" dirty="0" err="1">
+                <a:solidFill>
+                  <a:srgbClr val="2F2F2F"/>
+                </a:solidFill>
+                <a:latin typeface="Calibri" pitchFamily="34" charset="0"/>
+              </a:rPr>
               <a:t>getDefaultProps</a:t>
             </a:r>
-            <a:endParaRPr lang="en-US" sz="2800" b="1" dirty="0" smtClean="0">
+            <a:endParaRPr lang="en-US" sz="1800" b="1" dirty="0">
               <a:solidFill>
                 <a:srgbClr val="2F2F2F"/>
               </a:solidFill>
@@ -3460,17 +3159,28 @@
             </a:endParaRPr>
           </a:p>
           <a:p>
-            <a:pPr lvl="0"/>
-            <a:r>
-              <a:rPr lang="en-US" sz="2800" b="1" dirty="0" err="1" smtClean="0">
+            <a:pPr marL="0" lvl="0" indent="0">
+              <a:buNone/>
+            </a:pPr>
+            <a:r>
+              <a:rPr lang="en-US" sz="1800" b="1" dirty="0">
                 <a:solidFill>
                   <a:srgbClr val="2F2F2F"/>
                 </a:solidFill>
                 <a:latin typeface="Calibri" pitchFamily="34" charset="0"/>
               </a:rPr>
+              <a:t>2. </a:t>
+            </a:r>
+            <a:r>
+              <a:rPr lang="en-US" sz="1800" b="1" dirty="0" err="1">
+                <a:solidFill>
+                  <a:srgbClr val="2F2F2F"/>
+                </a:solidFill>
+                <a:latin typeface="Calibri" pitchFamily="34" charset="0"/>
+              </a:rPr>
               <a:t>getInitialState</a:t>
             </a:r>
-            <a:endParaRPr lang="en-US" sz="2800" b="1" dirty="0" smtClean="0">
+            <a:endParaRPr lang="en-US" sz="1800" b="1" dirty="0">
               <a:solidFill>
                 <a:srgbClr val="2F2F2F"/>
               </a:solidFill>
@@ -3478,17 +3188,28 @@
             </a:endParaRPr>
           </a:p>
           <a:p>
-            <a:pPr lvl="0"/>
-            <a:r>
-              <a:rPr lang="en-US" sz="2800" b="1" dirty="0" err="1" smtClean="0">
+            <a:pPr marL="0" lvl="0" indent="0">
+              <a:buNone/>
+            </a:pPr>
+            <a:r>
+              <a:rPr lang="en-US" sz="1800" b="1" dirty="0">
                 <a:solidFill>
                   <a:srgbClr val="2F2F2F"/>
                 </a:solidFill>
                 <a:latin typeface="Calibri" pitchFamily="34" charset="0"/>
               </a:rPr>
+              <a:t>3. </a:t>
+            </a:r>
+            <a:r>
+              <a:rPr lang="en-US" sz="1800" b="1" dirty="0" err="1">
+                <a:solidFill>
+                  <a:srgbClr val="2F2F2F"/>
+                </a:solidFill>
+                <a:latin typeface="Calibri" pitchFamily="34" charset="0"/>
+              </a:rPr>
               <a:t>componentWillMount</a:t>
             </a:r>
-            <a:endParaRPr lang="en-US" sz="2800" b="1" dirty="0" smtClean="0">
+            <a:endParaRPr lang="en-US" sz="1800" b="1" dirty="0">
               <a:solidFill>
                 <a:srgbClr val="2F2F2F"/>
               </a:solidFill>
@@ -3496,19 +3217,21 @@
             </a:endParaRPr>
           </a:p>
           <a:p>
-            <a:pPr lvl="0"/>
-            <a:r>
-              <a:rPr lang="en-US" sz="2800" b="1" dirty="0" smtClean="0">
+            <a:pPr marL="0" lvl="0" indent="0">
+              <a:buNone/>
+            </a:pPr>
+            <a:r>
+              <a:rPr lang="en-US" sz="1800" b="1" dirty="0">
                 <a:solidFill>
                   <a:srgbClr val="2F2F2F"/>
                 </a:solidFill>
                 <a:latin typeface="Calibri" pitchFamily="34" charset="0"/>
               </a:rPr>
-              <a:t>Render </a:t>
-            </a:r>
-          </a:p>
-          <a:p>
-            <a:endParaRPr lang="uk-UA" sz="2800" dirty="0"/>
+              <a:t>4. render </a:t>
+            </a:r>
+          </a:p>
+          <a:p>
+            <a:endParaRPr lang="uk-UA" sz="1800" dirty="0"/>
           </a:p>
         </p:txBody>
       </p:sp>
@@ -3553,7 +3276,7 @@
           <a:lstStyle/>
           <a:p>
             <a:r>
-              <a:rPr lang="ru-RU" dirty="0" smtClean="0"/>
+              <a:rPr lang="ru-RU" dirty="0"/>
               <a:t>Методы жизненного цикла</a:t>
             </a:r>
             <a:endParaRPr lang="uk-UA" dirty="0"/>
@@ -3572,7 +3295,7 @@
         </p:nvSpPr>
         <p:spPr>
           <a:xfrm>
-            <a:off x="683568" y="1268760"/>
+            <a:off x="719572" y="1340768"/>
             <a:ext cx="7704856" cy="4896544"/>
           </a:xfrm>
         </p:spPr>
@@ -3584,12 +3307,12 @@
               <a:buNone/>
             </a:pPr>
             <a:r>
-              <a:rPr lang="ru-RU" sz="2800" dirty="0" smtClean="0">
+              <a:rPr lang="ru-RU" sz="1800" dirty="0">
                 <a:latin typeface="Calibri" pitchFamily="34" charset="0"/>
               </a:rPr>
               <a:t>Методы, которые вызываются при обновлении</a:t>
             </a:r>
-            <a:endParaRPr lang="en-US" sz="2800" dirty="0" smtClean="0">
+            <a:endParaRPr lang="en-US" sz="1800" dirty="0">
               <a:latin typeface="Calibri" pitchFamily="34" charset="0"/>
             </a:endParaRPr>
           </a:p>
@@ -3598,13 +3321,13 @@
               <a:buNone/>
             </a:pPr>
             <a:r>
-              <a:rPr lang="ru-RU" sz="2800" dirty="0" smtClean="0">
+              <a:rPr lang="ru-RU" sz="1800" dirty="0">
                 <a:latin typeface="Calibri" pitchFamily="34" charset="0"/>
               </a:rPr>
               <a:t>компонента</a:t>
             </a:r>
             <a:r>
-              <a:rPr lang="en-US" sz="2800" dirty="0" smtClean="0">
+              <a:rPr lang="en-US" sz="1800" dirty="0">
                 <a:latin typeface="Calibri" pitchFamily="34" charset="0"/>
               </a:rPr>
               <a:t>: </a:t>
@@ -3614,59 +3337,98 @@
             <a:pPr>
               <a:buNone/>
             </a:pPr>
-            <a:endParaRPr lang="en-US" sz="2800" dirty="0" smtClean="0">
+            <a:endParaRPr lang="en-US" sz="1800" dirty="0">
               <a:latin typeface="Calibri" pitchFamily="34" charset="0"/>
             </a:endParaRPr>
           </a:p>
           <a:p>
-            <a:r>
-              <a:rPr lang="en-US" sz="2800" b="1" dirty="0" err="1" smtClean="0">
+            <a:pPr marL="0" indent="0">
+              <a:buNone/>
+            </a:pPr>
+            <a:r>
+              <a:rPr lang="en-US" sz="1800" b="1" dirty="0">
+                <a:latin typeface="Calibri" pitchFamily="34" charset="0"/>
+              </a:rPr>
+              <a:t>1. </a:t>
+            </a:r>
+            <a:r>
+              <a:rPr lang="en-US" sz="1800" b="1" dirty="0" err="1">
                 <a:latin typeface="Calibri" pitchFamily="34" charset="0"/>
               </a:rPr>
               <a:t>componentWillRecieveProps</a:t>
             </a:r>
-            <a:endParaRPr lang="en-US" sz="2800" b="1" dirty="0" smtClean="0">
+            <a:endParaRPr lang="en-US" sz="1800" b="1" dirty="0">
               <a:latin typeface="Calibri" pitchFamily="34" charset="0"/>
             </a:endParaRPr>
           </a:p>
           <a:p>
-            <a:r>
-              <a:rPr lang="en-US" sz="2800" b="1" dirty="0" err="1" smtClean="0">
+            <a:pPr marL="0" indent="0">
+              <a:buNone/>
+            </a:pPr>
+            <a:r>
+              <a:rPr lang="en-US" sz="1800" b="1" dirty="0">
+                <a:latin typeface="Calibri" pitchFamily="34" charset="0"/>
+              </a:rPr>
+              <a:t>2. </a:t>
+            </a:r>
+            <a:r>
+              <a:rPr lang="en-US" sz="1800" b="1" dirty="0" err="1">
                 <a:latin typeface="Calibri" pitchFamily="34" charset="0"/>
               </a:rPr>
               <a:t>shouldComponentUpdate</a:t>
             </a:r>
-            <a:endParaRPr lang="en-US" sz="2800" b="1" dirty="0" smtClean="0">
+            <a:endParaRPr lang="en-US" sz="1800" b="1" dirty="0">
               <a:latin typeface="Calibri" pitchFamily="34" charset="0"/>
             </a:endParaRPr>
           </a:p>
           <a:p>
-            <a:r>
-              <a:rPr lang="en-US" sz="2800" b="1" dirty="0" err="1" smtClean="0">
+            <a:pPr marL="0" indent="0">
+              <a:buNone/>
+            </a:pPr>
+            <a:r>
+              <a:rPr lang="en-US" sz="1800" b="1" dirty="0">
+                <a:latin typeface="Calibri" pitchFamily="34" charset="0"/>
+              </a:rPr>
+              <a:t>3. </a:t>
+            </a:r>
+            <a:r>
+              <a:rPr lang="en-US" sz="1800" b="1" dirty="0" err="1">
                 <a:latin typeface="Calibri" pitchFamily="34" charset="0"/>
               </a:rPr>
               <a:t>componentWillUpdate</a:t>
             </a:r>
-            <a:endParaRPr lang="en-US" sz="2800" b="1" dirty="0" smtClean="0">
+            <a:endParaRPr lang="en-US" sz="1800" b="1" dirty="0">
               <a:latin typeface="Calibri" pitchFamily="34" charset="0"/>
             </a:endParaRPr>
           </a:p>
           <a:p>
-            <a:r>
-              <a:rPr lang="en-US" sz="2800" b="1" dirty="0" smtClean="0">
-                <a:latin typeface="Calibri" pitchFamily="34" charset="0"/>
-              </a:rPr>
-              <a:t>render</a:t>
-            </a:r>
-          </a:p>
-          <a:p>
-            <a:r>
-              <a:rPr lang="en-US" sz="2800" b="1" dirty="0" err="1" smtClean="0">
+            <a:pPr marL="0" indent="0">
+              <a:buNone/>
+            </a:pPr>
+            <a:r>
+              <a:rPr lang="en-US" sz="1800" b="1" dirty="0">
+                <a:latin typeface="Calibri" pitchFamily="34" charset="0"/>
+              </a:rPr>
+              <a:t>4. render</a:t>
+            </a:r>
+          </a:p>
+          <a:p>
+            <a:pPr marL="0" indent="0">
+              <a:buNone/>
+            </a:pPr>
+            <a:r>
+              <a:rPr lang="en-US" sz="1800" b="1" dirty="0">
+                <a:latin typeface="Calibri" pitchFamily="34" charset="0"/>
+              </a:rPr>
+              <a:t>5. </a:t>
+            </a:r>
+            <a:r>
+              <a:rPr lang="en-US" sz="1800" b="1" dirty="0" err="1">
                 <a:latin typeface="Calibri" pitchFamily="34" charset="0"/>
               </a:rPr>
               <a:t>componentDidUpdate</a:t>
             </a:r>
-            <a:endParaRPr lang="en-US" sz="2800" b="1" dirty="0" smtClean="0">
+            <a:endParaRPr lang="en-US" sz="1800" b="1" dirty="0">
               <a:latin typeface="Calibri" pitchFamily="34" charset="0"/>
             </a:endParaRPr>
           </a:p>
@@ -3674,12 +3436,12 @@
             <a:pPr>
               <a:buNone/>
             </a:pPr>
-            <a:endParaRPr lang="en-US" sz="2000" dirty="0" smtClean="0">
+            <a:endParaRPr lang="en-US" sz="1800" dirty="0">
               <a:latin typeface="Calibri" pitchFamily="34" charset="0"/>
             </a:endParaRPr>
           </a:p>
           <a:p>
-            <a:endParaRPr lang="en-US" sz="2000" dirty="0" smtClean="0">
+            <a:endParaRPr lang="en-US" sz="1800" dirty="0">
               <a:latin typeface="Calibri" pitchFamily="34" charset="0"/>
             </a:endParaRPr>
           </a:p>
@@ -3687,17 +3449,17 @@
             <a:pPr>
               <a:buNone/>
             </a:pPr>
-            <a:endParaRPr lang="en-US" sz="2000" dirty="0" smtClean="0">
+            <a:endParaRPr lang="en-US" sz="1800" dirty="0">
               <a:latin typeface="Calibri" pitchFamily="34" charset="0"/>
             </a:endParaRPr>
           </a:p>
           <a:p>
-            <a:endParaRPr lang="en-US" sz="2000" dirty="0" smtClean="0">
+            <a:endParaRPr lang="en-US" sz="1800" dirty="0">
               <a:latin typeface="Calibri" pitchFamily="34" charset="0"/>
             </a:endParaRPr>
           </a:p>
           <a:p>
-            <a:endParaRPr lang="uk-UA" sz="2000" dirty="0">
+            <a:endParaRPr lang="uk-UA" sz="1800" dirty="0">
               <a:latin typeface="Calibri" pitchFamily="34" charset="0"/>
             </a:endParaRPr>
           </a:p>
